--- a/授業資料/ゲーム制作に関して.pptx
+++ b/授業資料/ゲーム制作に関して.pptx
@@ -254,7 +254,7 @@
           <a:p>
             <a:fld id="{5B96D3F8-CD2E-4A0D-AC38-517181EABB18}" type="datetimeFigureOut">
               <a:rPr kumimoji="1" lang="ja-JP" altLang="en-US" smtClean="0"/>
-              <a:t>2024/12/12</a:t>
+              <a:t>2024/12/13</a:t>
             </a:fld>
             <a:endParaRPr kumimoji="1" lang="ja-JP" altLang="en-US"/>
           </a:p>
@@ -456,7 +456,7 @@
           <a:p>
             <a:fld id="{5B96D3F8-CD2E-4A0D-AC38-517181EABB18}" type="datetimeFigureOut">
               <a:rPr kumimoji="1" lang="ja-JP" altLang="en-US" smtClean="0"/>
-              <a:t>2024/12/12</a:t>
+              <a:t>2024/12/13</a:t>
             </a:fld>
             <a:endParaRPr kumimoji="1" lang="ja-JP" altLang="en-US"/>
           </a:p>
@@ -668,7 +668,7 @@
           <a:p>
             <a:fld id="{5B96D3F8-CD2E-4A0D-AC38-517181EABB18}" type="datetimeFigureOut">
               <a:rPr kumimoji="1" lang="ja-JP" altLang="en-US" smtClean="0"/>
-              <a:t>2024/12/12</a:t>
+              <a:t>2024/12/13</a:t>
             </a:fld>
             <a:endParaRPr kumimoji="1" lang="ja-JP" altLang="en-US"/>
           </a:p>
@@ -870,7 +870,7 @@
           <a:p>
             <a:fld id="{5B96D3F8-CD2E-4A0D-AC38-517181EABB18}" type="datetimeFigureOut">
               <a:rPr kumimoji="1" lang="ja-JP" altLang="en-US" smtClean="0"/>
-              <a:t>2024/12/12</a:t>
+              <a:t>2024/12/13</a:t>
             </a:fld>
             <a:endParaRPr kumimoji="1" lang="ja-JP" altLang="en-US"/>
           </a:p>
@@ -1116,7 +1116,7 @@
           <a:p>
             <a:fld id="{5B96D3F8-CD2E-4A0D-AC38-517181EABB18}" type="datetimeFigureOut">
               <a:rPr kumimoji="1" lang="ja-JP" altLang="en-US" smtClean="0"/>
-              <a:t>2024/12/12</a:t>
+              <a:t>2024/12/13</a:t>
             </a:fld>
             <a:endParaRPr kumimoji="1" lang="ja-JP" altLang="en-US"/>
           </a:p>
@@ -1412,7 +1412,7 @@
           <a:p>
             <a:fld id="{5B96D3F8-CD2E-4A0D-AC38-517181EABB18}" type="datetimeFigureOut">
               <a:rPr kumimoji="1" lang="ja-JP" altLang="en-US" smtClean="0"/>
-              <a:t>2024/12/12</a:t>
+              <a:t>2024/12/13</a:t>
             </a:fld>
             <a:endParaRPr kumimoji="1" lang="ja-JP" altLang="en-US"/>
           </a:p>
@@ -1843,7 +1843,7 @@
           <a:p>
             <a:fld id="{5B96D3F8-CD2E-4A0D-AC38-517181EABB18}" type="datetimeFigureOut">
               <a:rPr kumimoji="1" lang="ja-JP" altLang="en-US" smtClean="0"/>
-              <a:t>2024/12/12</a:t>
+              <a:t>2024/12/13</a:t>
             </a:fld>
             <a:endParaRPr kumimoji="1" lang="ja-JP" altLang="en-US"/>
           </a:p>
@@ -1961,7 +1961,7 @@
           <a:p>
             <a:fld id="{5B96D3F8-CD2E-4A0D-AC38-517181EABB18}" type="datetimeFigureOut">
               <a:rPr kumimoji="1" lang="ja-JP" altLang="en-US" smtClean="0"/>
-              <a:t>2024/12/12</a:t>
+              <a:t>2024/12/13</a:t>
             </a:fld>
             <a:endParaRPr kumimoji="1" lang="ja-JP" altLang="en-US"/>
           </a:p>
@@ -2056,7 +2056,7 @@
           <a:p>
             <a:fld id="{5B96D3F8-CD2E-4A0D-AC38-517181EABB18}" type="datetimeFigureOut">
               <a:rPr kumimoji="1" lang="ja-JP" altLang="en-US" smtClean="0"/>
-              <a:t>2024/12/12</a:t>
+              <a:t>2024/12/13</a:t>
             </a:fld>
             <a:endParaRPr kumimoji="1" lang="ja-JP" altLang="en-US"/>
           </a:p>
@@ -2365,7 +2365,7 @@
           <a:p>
             <a:fld id="{5B96D3F8-CD2E-4A0D-AC38-517181EABB18}" type="datetimeFigureOut">
               <a:rPr kumimoji="1" lang="ja-JP" altLang="en-US" smtClean="0"/>
-              <a:t>2024/12/12</a:t>
+              <a:t>2024/12/13</a:t>
             </a:fld>
             <a:endParaRPr kumimoji="1" lang="ja-JP" altLang="en-US"/>
           </a:p>
@@ -2622,7 +2622,7 @@
           <a:p>
             <a:fld id="{5B96D3F8-CD2E-4A0D-AC38-517181EABB18}" type="datetimeFigureOut">
               <a:rPr kumimoji="1" lang="ja-JP" altLang="en-US" smtClean="0"/>
-              <a:t>2024/12/12</a:t>
+              <a:t>2024/12/13</a:t>
             </a:fld>
             <a:endParaRPr kumimoji="1" lang="ja-JP" altLang="en-US"/>
           </a:p>
@@ -2867,7 +2867,7 @@
           <a:p>
             <a:fld id="{5B96D3F8-CD2E-4A0D-AC38-517181EABB18}" type="datetimeFigureOut">
               <a:rPr kumimoji="1" lang="ja-JP" altLang="en-US" smtClean="0"/>
-              <a:t>2024/12/12</a:t>
+              <a:t>2024/12/13</a:t>
             </a:fld>
             <a:endParaRPr kumimoji="1" lang="ja-JP" altLang="en-US"/>
           </a:p>

--- a/授業資料/ゲーム制作に関して.pptx
+++ b/授業資料/ゲーム制作に関して.pptx
@@ -11,12 +11,13 @@
     <p:sldId id="508" r:id="rId5"/>
     <p:sldId id="509" r:id="rId6"/>
     <p:sldId id="510" r:id="rId7"/>
-    <p:sldId id="511" r:id="rId8"/>
-    <p:sldId id="512" r:id="rId9"/>
-    <p:sldId id="514" r:id="rId10"/>
-    <p:sldId id="513" r:id="rId11"/>
-    <p:sldId id="515" r:id="rId12"/>
-    <p:sldId id="516" r:id="rId13"/>
+    <p:sldId id="517" r:id="rId8"/>
+    <p:sldId id="511" r:id="rId9"/>
+    <p:sldId id="512" r:id="rId10"/>
+    <p:sldId id="514" r:id="rId11"/>
+    <p:sldId id="513" r:id="rId12"/>
+    <p:sldId id="515" r:id="rId13"/>
+    <p:sldId id="516" r:id="rId14"/>
   </p:sldIdLst>
   <p:sldSz cx="12192000" cy="6858000"/>
   <p:notesSz cx="6858000" cy="9144000"/>
@@ -254,7 +255,7 @@
           <a:p>
             <a:fld id="{5B96D3F8-CD2E-4A0D-AC38-517181EABB18}" type="datetimeFigureOut">
               <a:rPr kumimoji="1" lang="ja-JP" altLang="en-US" smtClean="0"/>
-              <a:t>2024/12/13</a:t>
+              <a:t>2024/12/16</a:t>
             </a:fld>
             <a:endParaRPr kumimoji="1" lang="ja-JP" altLang="en-US"/>
           </a:p>
@@ -456,7 +457,7 @@
           <a:p>
             <a:fld id="{5B96D3F8-CD2E-4A0D-AC38-517181EABB18}" type="datetimeFigureOut">
               <a:rPr kumimoji="1" lang="ja-JP" altLang="en-US" smtClean="0"/>
-              <a:t>2024/12/13</a:t>
+              <a:t>2024/12/16</a:t>
             </a:fld>
             <a:endParaRPr kumimoji="1" lang="ja-JP" altLang="en-US"/>
           </a:p>
@@ -668,7 +669,7 @@
           <a:p>
             <a:fld id="{5B96D3F8-CD2E-4A0D-AC38-517181EABB18}" type="datetimeFigureOut">
               <a:rPr kumimoji="1" lang="ja-JP" altLang="en-US" smtClean="0"/>
-              <a:t>2024/12/13</a:t>
+              <a:t>2024/12/16</a:t>
             </a:fld>
             <a:endParaRPr kumimoji="1" lang="ja-JP" altLang="en-US"/>
           </a:p>
@@ -870,7 +871,7 @@
           <a:p>
             <a:fld id="{5B96D3F8-CD2E-4A0D-AC38-517181EABB18}" type="datetimeFigureOut">
               <a:rPr kumimoji="1" lang="ja-JP" altLang="en-US" smtClean="0"/>
-              <a:t>2024/12/13</a:t>
+              <a:t>2024/12/16</a:t>
             </a:fld>
             <a:endParaRPr kumimoji="1" lang="ja-JP" altLang="en-US"/>
           </a:p>
@@ -1116,7 +1117,7 @@
           <a:p>
             <a:fld id="{5B96D3F8-CD2E-4A0D-AC38-517181EABB18}" type="datetimeFigureOut">
               <a:rPr kumimoji="1" lang="ja-JP" altLang="en-US" smtClean="0"/>
-              <a:t>2024/12/13</a:t>
+              <a:t>2024/12/16</a:t>
             </a:fld>
             <a:endParaRPr kumimoji="1" lang="ja-JP" altLang="en-US"/>
           </a:p>
@@ -1412,7 +1413,7 @@
           <a:p>
             <a:fld id="{5B96D3F8-CD2E-4A0D-AC38-517181EABB18}" type="datetimeFigureOut">
               <a:rPr kumimoji="1" lang="ja-JP" altLang="en-US" smtClean="0"/>
-              <a:t>2024/12/13</a:t>
+              <a:t>2024/12/16</a:t>
             </a:fld>
             <a:endParaRPr kumimoji="1" lang="ja-JP" altLang="en-US"/>
           </a:p>
@@ -1843,7 +1844,7 @@
           <a:p>
             <a:fld id="{5B96D3F8-CD2E-4A0D-AC38-517181EABB18}" type="datetimeFigureOut">
               <a:rPr kumimoji="1" lang="ja-JP" altLang="en-US" smtClean="0"/>
-              <a:t>2024/12/13</a:t>
+              <a:t>2024/12/16</a:t>
             </a:fld>
             <a:endParaRPr kumimoji="1" lang="ja-JP" altLang="en-US"/>
           </a:p>
@@ -1961,7 +1962,7 @@
           <a:p>
             <a:fld id="{5B96D3F8-CD2E-4A0D-AC38-517181EABB18}" type="datetimeFigureOut">
               <a:rPr kumimoji="1" lang="ja-JP" altLang="en-US" smtClean="0"/>
-              <a:t>2024/12/13</a:t>
+              <a:t>2024/12/16</a:t>
             </a:fld>
             <a:endParaRPr kumimoji="1" lang="ja-JP" altLang="en-US"/>
           </a:p>
@@ -2056,7 +2057,7 @@
           <a:p>
             <a:fld id="{5B96D3F8-CD2E-4A0D-AC38-517181EABB18}" type="datetimeFigureOut">
               <a:rPr kumimoji="1" lang="ja-JP" altLang="en-US" smtClean="0"/>
-              <a:t>2024/12/13</a:t>
+              <a:t>2024/12/16</a:t>
             </a:fld>
             <a:endParaRPr kumimoji="1" lang="ja-JP" altLang="en-US"/>
           </a:p>
@@ -2365,7 +2366,7 @@
           <a:p>
             <a:fld id="{5B96D3F8-CD2E-4A0D-AC38-517181EABB18}" type="datetimeFigureOut">
               <a:rPr kumimoji="1" lang="ja-JP" altLang="en-US" smtClean="0"/>
-              <a:t>2024/12/13</a:t>
+              <a:t>2024/12/16</a:t>
             </a:fld>
             <a:endParaRPr kumimoji="1" lang="ja-JP" altLang="en-US"/>
           </a:p>
@@ -2622,7 +2623,7 @@
           <a:p>
             <a:fld id="{5B96D3F8-CD2E-4A0D-AC38-517181EABB18}" type="datetimeFigureOut">
               <a:rPr kumimoji="1" lang="ja-JP" altLang="en-US" smtClean="0"/>
-              <a:t>2024/12/13</a:t>
+              <a:t>2024/12/16</a:t>
             </a:fld>
             <a:endParaRPr kumimoji="1" lang="ja-JP" altLang="en-US"/>
           </a:p>
@@ -2867,7 +2868,7 @@
           <a:p>
             <a:fld id="{5B96D3F8-CD2E-4A0D-AC38-517181EABB18}" type="datetimeFigureOut">
               <a:rPr kumimoji="1" lang="ja-JP" altLang="en-US" smtClean="0"/>
-              <a:t>2024/12/13</a:t>
+              <a:t>2024/12/16</a:t>
             </a:fld>
             <a:endParaRPr kumimoji="1" lang="ja-JP" altLang="en-US"/>
           </a:p>
@@ -3574,12 +3575,12 @@
               <a:rPr lang="en-US" altLang="ja-JP" dirty="0"/>
             </a:br>
             <a:r>
-              <a:rPr lang="ja-JP" altLang="en-US" dirty="0" err="1"/>
-              <a:t>ぴぽや</a:t>
-            </a:r>
-            <a:r>
-              <a:rPr lang="ja-JP" altLang="en-US" dirty="0"/>
-              <a:t>倉庫</a:t>
+              <a:rPr lang="en-US" altLang="ja-JP" dirty="0"/>
+              <a:t>Kenney</a:t>
+            </a:r>
+            <a:r>
+              <a:rPr lang="ja-JP" altLang="en-US" dirty="0"/>
+              <a:t>（海外では有名）</a:t>
             </a:r>
             <a:br>
               <a:rPr lang="en-US" altLang="ja-JP" dirty="0"/>
@@ -3588,7 +3589,7 @@
               <a:rPr lang="en-US" altLang="ja-JP" dirty="0">
                 <a:hlinkClick r:id="rId2"/>
               </a:rPr>
-              <a:t>https://pipoya.net/sozai/</a:t>
+              <a:t>https://www.kenney.nl/</a:t>
             </a:r>
             <a:endParaRPr lang="en-US" altLang="ja-JP" dirty="0"/>
           </a:p>
@@ -3598,7 +3599,15 @@
             </a:pPr>
             <a:r>
               <a:rPr lang="ja-JP" altLang="en-US" dirty="0"/>
-              <a:t>　ひみつ</a:t>
+              <a:t>　</a:t>
+            </a:r>
+            <a:r>
+              <a:rPr lang="en-US" altLang="ja-JP" dirty="0"/>
+              <a:t>DOTOWN</a:t>
+            </a:r>
+            <a:r>
+              <a:rPr lang="ja-JP" altLang="en-US" dirty="0"/>
+              <a:t>（レトロゲーム風ドット絵）</a:t>
             </a:r>
             <a:br>
               <a:rPr lang="en-US" altLang="ja-JP" dirty="0"/>
@@ -3611,7 +3620,7 @@
               <a:rPr lang="en-US" altLang="ja-JP" dirty="0">
                 <a:hlinkClick r:id="rId3"/>
               </a:rPr>
-              <a:t>http://uros.web.fc2.com/</a:t>
+              <a:t>https://dotown.maeda-design-room.net/</a:t>
             </a:r>
             <a:endParaRPr lang="en-US" altLang="ja-JP" dirty="0"/>
           </a:p>
@@ -3625,20 +3634,24 @@
             </a:r>
             <a:r>
               <a:rPr lang="en-US" altLang="ja-JP" dirty="0"/>
-              <a:t>OpenGameArt.org</a:t>
-            </a:r>
-            <a:br>
-              <a:rPr lang="en-US" altLang="ja-JP" dirty="0"/>
-            </a:br>
-            <a:r>
-              <a:rPr lang="en-US" altLang="ja-JP" dirty="0"/>
-              <a:t> </a:t>
+              <a:t>CRAFTPIX</a:t>
+            </a:r>
+            <a:r>
+              <a:rPr lang="ja-JP" altLang="en-US" dirty="0"/>
+              <a:t>（海外サイト）</a:t>
+            </a:r>
+            <a:br>
+              <a:rPr lang="en-US" altLang="ja-JP" dirty="0"/>
+            </a:br>
+            <a:r>
+              <a:rPr lang="ja-JP" altLang="en-US" dirty="0"/>
+              <a:t>　</a:t>
             </a:r>
             <a:r>
               <a:rPr lang="en-US" altLang="ja-JP" dirty="0">
                 <a:hlinkClick r:id="rId4"/>
               </a:rPr>
-              <a:t>https://opengameart.org/</a:t>
+              <a:t>https://craftpix.net/freebies/</a:t>
             </a:r>
             <a:endParaRPr lang="en-US" altLang="ja-JP" dirty="0"/>
           </a:p>
@@ -3647,7 +3660,7 @@
     </p:spTree>
     <p:extLst>
       <p:ext uri="{BB962C8B-B14F-4D97-AF65-F5344CB8AC3E}">
-        <p14:creationId xmlns:p14="http://schemas.microsoft.com/office/powerpoint/2010/main" val="2038033436"/>
+        <p14:creationId xmlns:p14="http://schemas.microsoft.com/office/powerpoint/2010/main" val="2714004098"/>
       </p:ext>
     </p:extLst>
   </p:cSld>
@@ -3744,8 +3757,190 @@
               <a:rPr lang="en-US" altLang="ja-JP" dirty="0"/>
             </a:br>
             <a:r>
+              <a:rPr lang="ja-JP" altLang="en-US" dirty="0"/>
+              <a:t>ぴぽや倉庫（国内では有名）</a:t>
+            </a:r>
+            <a:br>
+              <a:rPr lang="en-US" altLang="ja-JP" dirty="0"/>
+            </a:br>
+            <a:r>
+              <a:rPr lang="en-US" altLang="ja-JP" dirty="0">
+                <a:hlinkClick r:id="rId2"/>
+              </a:rPr>
+              <a:t>https://pipoya.net/sozai/</a:t>
+            </a:r>
+            <a:endParaRPr lang="en-US" altLang="ja-JP" dirty="0"/>
+          </a:p>
+          <a:p>
+            <a:pPr marL="0" indent="0">
+              <a:buNone/>
+            </a:pPr>
+            <a:r>
+              <a:rPr lang="ja-JP" altLang="en-US" dirty="0"/>
+              <a:t>　ひみつ</a:t>
+            </a:r>
+            <a:br>
+              <a:rPr lang="en-US" altLang="ja-JP" dirty="0"/>
+            </a:br>
+            <a:r>
+              <a:rPr lang="ja-JP" altLang="en-US" dirty="0"/>
+              <a:t>　</a:t>
+            </a:r>
+            <a:r>
+              <a:rPr lang="en-US" altLang="ja-JP" dirty="0">
+                <a:hlinkClick r:id="rId3"/>
+              </a:rPr>
+              <a:t>http://uros.web.fc2.com/</a:t>
+            </a:r>
+            <a:endParaRPr lang="en-US" altLang="ja-JP" dirty="0"/>
+          </a:p>
+          <a:p>
+            <a:pPr marL="0" indent="0">
+              <a:buNone/>
+            </a:pPr>
+            <a:r>
+              <a:rPr lang="ja-JP" altLang="en-US" dirty="0"/>
+              <a:t>　</a:t>
+            </a:r>
+            <a:r>
+              <a:rPr lang="en-US" altLang="ja-JP" dirty="0"/>
+              <a:t>OpenGameArt.org</a:t>
+            </a:r>
+            <a:r>
+              <a:rPr lang="ja-JP" altLang="en-US" dirty="0"/>
+              <a:t>（素材系まとめサイト）</a:t>
+            </a:r>
+            <a:br>
+              <a:rPr lang="en-US" altLang="ja-JP" dirty="0"/>
+            </a:br>
+            <a:r>
+              <a:rPr lang="en-US" altLang="ja-JP" dirty="0"/>
+              <a:t> </a:t>
+            </a:r>
+            <a:r>
+              <a:rPr lang="en-US" altLang="ja-JP" dirty="0">
+                <a:hlinkClick r:id="rId4"/>
+              </a:rPr>
+              <a:t>https://opengameart.org/</a:t>
+            </a:r>
+            <a:endParaRPr lang="en-US" altLang="ja-JP" dirty="0"/>
+          </a:p>
+        </p:txBody>
+      </p:sp>
+    </p:spTree>
+    <p:extLst>
+      <p:ext uri="{BB962C8B-B14F-4D97-AF65-F5344CB8AC3E}">
+        <p14:creationId xmlns:p14="http://schemas.microsoft.com/office/powerpoint/2010/main" val="2038033436"/>
+      </p:ext>
+    </p:extLst>
+  </p:cSld>
+  <p:clrMapOvr>
+    <a:masterClrMapping/>
+  </p:clrMapOvr>
+</p:sld>
+</file>
+
+<file path=ppt/slides/slide12.xml><?xml version="1.0" encoding="utf-8"?>
+<p:sld xmlns:a="http://schemas.openxmlformats.org/drawingml/2006/main" xmlns:r="http://schemas.openxmlformats.org/officeDocument/2006/relationships" xmlns:p="http://schemas.openxmlformats.org/presentationml/2006/main">
+  <p:cSld>
+    <p:spTree>
+      <p:nvGrpSpPr>
+        <p:cNvPr id="1" name=""/>
+        <p:cNvGrpSpPr/>
+        <p:nvPr/>
+      </p:nvGrpSpPr>
+      <p:grpSpPr>
+        <a:xfrm>
+          <a:off x="0" y="0"/>
+          <a:ext cx="0" cy="0"/>
+          <a:chOff x="0" y="0"/>
+          <a:chExt cx="0" cy="0"/>
+        </a:xfrm>
+      </p:grpSpPr>
+      <p:sp>
+        <p:nvSpPr>
+          <p:cNvPr id="2" name="タイトル 1">
+            <a:extLst>
+              <a:ext uri="{FF2B5EF4-FFF2-40B4-BE49-F238E27FC236}">
+                <a16:creationId xmlns:a16="http://schemas.microsoft.com/office/drawing/2014/main" id="{EC1D9B36-FFC2-4D52-A2A6-FEEE7804F5FA}"/>
+              </a:ext>
+            </a:extLst>
+          </p:cNvPr>
+          <p:cNvSpPr>
+            <a:spLocks noGrp="1"/>
+          </p:cNvSpPr>
+          <p:nvPr>
+            <p:ph type="title"/>
+          </p:nvPr>
+        </p:nvSpPr>
+        <p:spPr/>
+        <p:txBody>
+          <a:bodyPr>
+            <a:normAutofit/>
+          </a:bodyPr>
+          <a:lstStyle/>
+          <a:p>
+            <a:r>
+              <a:rPr lang="ja-JP" altLang="en-US" dirty="0"/>
+              <a:t>ゲーム用素材について</a:t>
+            </a:r>
+            <a:endParaRPr kumimoji="1" lang="ja-JP" altLang="en-US" dirty="0"/>
+          </a:p>
+        </p:txBody>
+      </p:sp>
+      <p:sp>
+        <p:nvSpPr>
+          <p:cNvPr id="3" name="コンテンツ プレースホルダー 2">
+            <a:extLst>
+              <a:ext uri="{FF2B5EF4-FFF2-40B4-BE49-F238E27FC236}">
+                <a16:creationId xmlns:a16="http://schemas.microsoft.com/office/drawing/2014/main" id="{534285BC-9209-40FB-8017-B7672579046F}"/>
+              </a:ext>
+            </a:extLst>
+          </p:cNvPr>
+          <p:cNvSpPr>
+            <a:spLocks noGrp="1"/>
+          </p:cNvSpPr>
+          <p:nvPr>
+            <p:ph idx="1"/>
+          </p:nvPr>
+        </p:nvSpPr>
+        <p:spPr>
+          <a:xfrm>
+            <a:off x="430306" y="1376038"/>
+            <a:ext cx="11654118" cy="5329562"/>
+          </a:xfrm>
+        </p:spPr>
+        <p:txBody>
+          <a:bodyPr>
+            <a:normAutofit/>
+          </a:bodyPr>
+          <a:lstStyle/>
+          <a:p>
+            <a:r>
+              <a:rPr lang="ja-JP" altLang="en-US" dirty="0"/>
+              <a:t>マップチップやキャラクタ、ゲーム用アイコン画像</a:t>
+            </a:r>
+            <a:br>
+              <a:rPr lang="en-US" altLang="ja-JP" dirty="0"/>
+            </a:br>
+            <a:br>
+              <a:rPr lang="en-US" altLang="ja-JP" dirty="0"/>
+            </a:br>
+            <a:r>
               <a:rPr lang="en-US" altLang="ja-JP" dirty="0"/>
               <a:t>CLOSET</a:t>
+            </a:r>
+            <a:r>
+              <a:rPr lang="ja-JP" altLang="en-US" dirty="0"/>
+              <a:t>（</a:t>
+            </a:r>
+            <a:r>
+              <a:rPr lang="en-US" altLang="ja-JP" dirty="0"/>
+              <a:t>RPG</a:t>
+            </a:r>
+            <a:r>
+              <a:rPr lang="ja-JP" altLang="en-US" dirty="0"/>
+              <a:t>ゲーム用？）</a:t>
             </a:r>
             <a:br>
               <a:rPr lang="en-US" altLang="ja-JP" dirty="0"/>
@@ -3774,6 +3969,10 @@
               <a:rPr lang="en-US" altLang="ja-JP" dirty="0"/>
               <a:t>graphics</a:t>
             </a:r>
+            <a:r>
+              <a:rPr lang="ja-JP" altLang="en-US" dirty="0"/>
+              <a:t>（背景素材）</a:t>
+            </a:r>
             <a:br>
               <a:rPr lang="en-US" altLang="ja-JP" dirty="0"/>
             </a:br>
@@ -3796,6 +3995,10 @@
             <a:r>
               <a:rPr lang="en-US" altLang="ja-JP" dirty="0"/>
               <a:t> Unity Asset Store</a:t>
+            </a:r>
+            <a:r>
+              <a:rPr lang="ja-JP" altLang="en-US" dirty="0"/>
+              <a:t>（大量の素材）</a:t>
             </a:r>
             <a:br>
               <a:rPr lang="en-US" altLang="ja-JP" dirty="0"/>
@@ -3827,7 +4030,7 @@
 </p:sld>
 </file>
 
-<file path=ppt/slides/slide12.xml><?xml version="1.0" encoding="utf-8"?>
+<file path=ppt/slides/slide13.xml><?xml version="1.0" encoding="utf-8"?>
 <p:sld xmlns:a="http://schemas.openxmlformats.org/drawingml/2006/main" xmlns:r="http://schemas.openxmlformats.org/officeDocument/2006/relationships" xmlns:p="http://schemas.openxmlformats.org/presentationml/2006/main">
   <p:cSld>
     <p:spTree>
@@ -4658,7 +4861,13 @@
   <p:cSld>
     <p:spTree>
       <p:nvGrpSpPr>
-        <p:cNvPr id="1" name=""/>
+        <p:cNvPr id="1" name="">
+          <a:extLst>
+            <a:ext uri="{FF2B5EF4-FFF2-40B4-BE49-F238E27FC236}">
+              <a16:creationId xmlns:a16="http://schemas.microsoft.com/office/drawing/2014/main" id="{0BD92ADD-B844-3FDE-5C21-37DA6FEF9B65}"/>
+            </a:ext>
+          </a:extLst>
+        </p:cNvPr>
         <p:cNvGrpSpPr/>
         <p:nvPr/>
       </p:nvGrpSpPr>
@@ -4675,7 +4884,7 @@
           <p:cNvPr id="2" name="タイトル 1">
             <a:extLst>
               <a:ext uri="{FF2B5EF4-FFF2-40B4-BE49-F238E27FC236}">
-                <a16:creationId xmlns:a16="http://schemas.microsoft.com/office/drawing/2014/main" id="{EC1D9B36-FFC2-4D52-A2A6-FEEE7804F5FA}"/>
+                <a16:creationId xmlns:a16="http://schemas.microsoft.com/office/drawing/2014/main" id="{FF8420C0-A891-E48A-2FD8-1A27D5240F7D}"/>
               </a:ext>
             </a:extLst>
           </p:cNvPr>
@@ -4695,7 +4904,7 @@
           <a:p>
             <a:r>
               <a:rPr kumimoji="1" lang="ja-JP" altLang="en-US" dirty="0"/>
-              <a:t>ゲーム用素材について</a:t>
+              <a:t>ゲーム制作について</a:t>
             </a:r>
           </a:p>
         </p:txBody>
@@ -4705,7 +4914,7 @@
           <p:cNvPr id="3" name="コンテンツ プレースホルダー 2">
             <a:extLst>
               <a:ext uri="{FF2B5EF4-FFF2-40B4-BE49-F238E27FC236}">
-                <a16:creationId xmlns:a16="http://schemas.microsoft.com/office/drawing/2014/main" id="{534285BC-9209-40FB-8017-B7672579046F}"/>
+                <a16:creationId xmlns:a16="http://schemas.microsoft.com/office/drawing/2014/main" id="{D35E0601-009A-E258-BB00-E469F310489B}"/>
               </a:ext>
             </a:extLst>
           </p:cNvPr>
@@ -4730,7 +4939,14 @@
           <a:p>
             <a:r>
               <a:rPr lang="ja-JP" altLang="en-US" dirty="0"/>
-              <a:t>グラフィック面で自分たちのチームが劣っているなと思ったら、頑張って素材を探したりしましょう！</a:t>
+              <a:t>発表の際の実演は、発表者の説明と合わせるように</a:t>
+            </a:r>
+            <a:br>
+              <a:rPr lang="en-US" altLang="ja-JP" dirty="0"/>
+            </a:br>
+            <a:r>
+              <a:rPr lang="ja-JP" altLang="en-US" dirty="0"/>
+              <a:t>しましょう！</a:t>
             </a:r>
             <a:br>
               <a:rPr lang="en-US" altLang="ja-JP" dirty="0"/>
@@ -4740,14 +4956,46 @@
           <a:p>
             <a:r>
               <a:rPr lang="ja-JP" altLang="en-US" dirty="0"/>
-              <a:t>無料・有料を問わずいろいろな素材データがネット上で配布されています</a:t>
-            </a:r>
-            <a:br>
-              <a:rPr lang="en-US" altLang="ja-JP" dirty="0"/>
-            </a:br>
-            <a:endParaRPr lang="ja-JP" altLang="en-US" dirty="0"/>
-          </a:p>
-          <a:p>
+              <a:t>自分たちの作品の魅力を伝えましょう</a:t>
+            </a:r>
+            <a:br>
+              <a:rPr lang="en-US" altLang="ja-JP" dirty="0"/>
+            </a:br>
+            <a:r>
+              <a:rPr lang="ja-JP" altLang="en-US" dirty="0"/>
+              <a:t>ただ、淡々と説明するのでなくて、どこを工夫したのか</a:t>
+            </a:r>
+            <a:br>
+              <a:rPr lang="en-US" altLang="ja-JP" dirty="0"/>
+            </a:br>
+            <a:r>
+              <a:rPr lang="ja-JP" altLang="en-US" dirty="0"/>
+              <a:t>どこを売りにしてるのかを明確にしましょう</a:t>
+            </a:r>
+            <a:br>
+              <a:rPr lang="en-US" altLang="ja-JP" dirty="0"/>
+            </a:br>
+            <a:endParaRPr lang="en-US" altLang="ja-JP" dirty="0"/>
+          </a:p>
+          <a:p>
+            <a:r>
+              <a:rPr lang="ja-JP" altLang="en-US" dirty="0"/>
+              <a:t>練習をしましょう</a:t>
+            </a:r>
+            <a:br>
+              <a:rPr lang="en-US" altLang="ja-JP" dirty="0"/>
+            </a:br>
+            <a:r>
+              <a:rPr lang="ja-JP" altLang="en-US" dirty="0"/>
+              <a:t>ぶっつけ本番はうまくいかないことが多いので事前に</a:t>
+            </a:r>
+            <a:br>
+              <a:rPr lang="en-US" altLang="ja-JP" dirty="0"/>
+            </a:br>
+            <a:r>
+              <a:rPr lang="ja-JP" altLang="en-US" dirty="0"/>
+              <a:t>練習はしておきましょう</a:t>
+            </a:r>
             <a:endParaRPr lang="en-US" altLang="ja-JP" dirty="0"/>
           </a:p>
         </p:txBody>
@@ -4755,7 +5003,7 @@
     </p:spTree>
     <p:extLst>
       <p:ext uri="{BB962C8B-B14F-4D97-AF65-F5344CB8AC3E}">
-        <p14:creationId xmlns:p14="http://schemas.microsoft.com/office/powerpoint/2010/main" val="1287568492"/>
+        <p14:creationId xmlns:p14="http://schemas.microsoft.com/office/powerpoint/2010/main" val="2082270055"/>
       </p:ext>
     </p:extLst>
   </p:cSld>
@@ -4806,10 +5054,9 @@
           <a:lstStyle/>
           <a:p>
             <a:r>
-              <a:rPr lang="ja-JP" altLang="en-US" dirty="0"/>
+              <a:rPr kumimoji="1" lang="ja-JP" altLang="en-US" dirty="0"/>
               <a:t>ゲーム用素材について</a:t>
             </a:r>
-            <a:endParaRPr kumimoji="1" lang="ja-JP" altLang="en-US" dirty="0"/>
           </a:p>
         </p:txBody>
       </p:sp>
@@ -4843,55 +5090,49 @@
           <a:p>
             <a:r>
               <a:rPr lang="ja-JP" altLang="en-US" dirty="0"/>
-              <a:t>タイトルロゴや文字について</a:t>
-            </a:r>
-            <a:br>
-              <a:rPr lang="en-US" altLang="ja-JP" dirty="0"/>
-            </a:br>
-            <a:br>
-              <a:rPr lang="en-US" altLang="ja-JP" dirty="0"/>
-            </a:br>
-            <a:r>
-              <a:rPr lang="ja-JP" altLang="en-US" dirty="0"/>
-              <a:t>ロゴ及び画像ジェネレーター</a:t>
-            </a:r>
-            <a:br>
-              <a:rPr lang="ja-JP" altLang="en-US" dirty="0"/>
-            </a:br>
-            <a:r>
-              <a:rPr lang="en-US" altLang="ja-JP" dirty="0">
-                <a:hlinkClick r:id="rId2"/>
-              </a:rPr>
-              <a:t>https://ja.cooltext.com/</a:t>
-            </a:r>
+              <a:t>グラフィック面で自分たちのチームが劣っているなと思ったら、頑張って素材を探したりしましょう！</a:t>
+            </a:r>
+            <a:br>
+              <a:rPr lang="en-US" altLang="ja-JP" dirty="0"/>
+            </a:br>
+            <a:br>
+              <a:rPr lang="en-US" altLang="ja-JP" dirty="0"/>
+            </a:br>
+            <a:r>
+              <a:rPr lang="ja-JP" altLang="en-US" dirty="0"/>
+              <a:t>無料・有料を問わずいろいろな素材データがネット上で配布されています</a:t>
+            </a:r>
+            <a:br>
+              <a:rPr lang="en-US" altLang="ja-JP" dirty="0"/>
+            </a:br>
             <a:endParaRPr lang="en-US" altLang="ja-JP" dirty="0"/>
           </a:p>
           <a:p>
-            <a:pPr marL="0" indent="0">
-              <a:buNone/>
-            </a:pPr>
-            <a:br>
-              <a:rPr lang="en-US" altLang="ja-JP" dirty="0"/>
-            </a:br>
-            <a:r>
-              <a:rPr lang="ja-JP" altLang="en-US" dirty="0"/>
-              <a:t>　こちらでは完成予想図を見ながらロゴ画像を作ることが</a:t>
-            </a:r>
-            <a:br>
-              <a:rPr lang="en-US" altLang="ja-JP" dirty="0"/>
-            </a:br>
-            <a:r>
-              <a:rPr lang="ja-JP" altLang="en-US" dirty="0"/>
-              <a:t>　できます！タイトルロゴに使える画像が作れます</a:t>
-            </a:r>
-            <a:endParaRPr lang="en-US" altLang="ja-JP" dirty="0"/>
+            <a:r>
+              <a:rPr lang="ja-JP" altLang="en-US" dirty="0"/>
+              <a:t>タイトル画面を作り込みましょう</a:t>
+            </a:r>
+            <a:br>
+              <a:rPr lang="en-US" altLang="ja-JP" dirty="0"/>
+            </a:br>
+            <a:r>
+              <a:rPr lang="ja-JP" altLang="en-US" dirty="0"/>
+              <a:t>タイトルは作品の顔です、ロゴを作ってインパクトや</a:t>
+            </a:r>
+            <a:br>
+              <a:rPr lang="en-US" altLang="ja-JP" dirty="0"/>
+            </a:br>
+            <a:r>
+              <a:rPr lang="ja-JP" altLang="en-US" dirty="0"/>
+              <a:t>わくわく感などを演出しましょう</a:t>
+            </a:r>
           </a:p>
         </p:txBody>
       </p:sp>
     </p:spTree>
     <p:extLst>
       <p:ext uri="{BB962C8B-B14F-4D97-AF65-F5344CB8AC3E}">
-        <p14:creationId xmlns:p14="http://schemas.microsoft.com/office/powerpoint/2010/main" val="76488644"/>
+        <p14:creationId xmlns:p14="http://schemas.microsoft.com/office/powerpoint/2010/main" val="1287568492"/>
       </p:ext>
     </p:extLst>
   </p:cSld>
@@ -4979,26 +5220,26 @@
           <a:p>
             <a:r>
               <a:rPr lang="ja-JP" altLang="en-US" dirty="0"/>
-              <a:t>マップチップやキャラクタ、ゲーム用アイコン画像</a:t>
-            </a:r>
-            <a:br>
-              <a:rPr lang="en-US" altLang="ja-JP" dirty="0"/>
-            </a:br>
-            <a:br>
-              <a:rPr lang="en-US" altLang="ja-JP" dirty="0"/>
-            </a:br>
-            <a:r>
-              <a:rPr lang="en-US" altLang="ja-JP" dirty="0"/>
-              <a:t>Kenney</a:t>
-            </a:r>
-            <a:br>
-              <a:rPr lang="en-US" altLang="ja-JP" dirty="0"/>
+              <a:t>タイトルロゴや文字について</a:t>
+            </a:r>
+            <a:br>
+              <a:rPr lang="en-US" altLang="ja-JP" dirty="0"/>
+            </a:br>
+            <a:br>
+              <a:rPr lang="en-US" altLang="ja-JP" dirty="0"/>
+            </a:br>
+            <a:r>
+              <a:rPr lang="ja-JP" altLang="en-US" dirty="0"/>
+              <a:t>ロゴ及び画像ジェネレーター</a:t>
+            </a:r>
+            <a:br>
+              <a:rPr lang="ja-JP" altLang="en-US" dirty="0"/>
             </a:br>
             <a:r>
               <a:rPr lang="en-US" altLang="ja-JP" dirty="0">
                 <a:hlinkClick r:id="rId2"/>
               </a:rPr>
-              <a:t>https://www.kenney.nl/</a:t>
+              <a:t>https://ja.cooltext.com/</a:t>
             </a:r>
             <a:endParaRPr lang="en-US" altLang="ja-JP" dirty="0"/>
           </a:p>
@@ -5006,53 +5247,19 @@
             <a:pPr marL="0" indent="0">
               <a:buNone/>
             </a:pPr>
-            <a:r>
-              <a:rPr lang="ja-JP" altLang="en-US" dirty="0"/>
-              <a:t>　</a:t>
-            </a:r>
-            <a:r>
-              <a:rPr lang="en-US" altLang="ja-JP" dirty="0"/>
-              <a:t>DOTOWN</a:t>
-            </a:r>
-            <a:br>
-              <a:rPr lang="en-US" altLang="ja-JP" dirty="0"/>
-            </a:br>
-            <a:r>
-              <a:rPr lang="ja-JP" altLang="en-US" dirty="0"/>
-              <a:t>　</a:t>
-            </a:r>
-            <a:r>
-              <a:rPr lang="en-US" altLang="ja-JP" dirty="0">
-                <a:hlinkClick r:id="rId3"/>
-              </a:rPr>
-              <a:t>https://dotown.maeda-design-room.net/</a:t>
-            </a:r>
-            <a:endParaRPr lang="en-US" altLang="ja-JP" dirty="0"/>
-          </a:p>
-          <a:p>
-            <a:pPr marL="0" indent="0">
-              <a:buNone/>
-            </a:pPr>
-            <a:r>
-              <a:rPr lang="ja-JP" altLang="en-US" dirty="0"/>
-              <a:t>　</a:t>
-            </a:r>
-            <a:r>
-              <a:rPr lang="en-US" altLang="ja-JP" dirty="0"/>
-              <a:t>CRAFTPIX</a:t>
-            </a:r>
-            <a:br>
-              <a:rPr lang="en-US" altLang="ja-JP" dirty="0"/>
-            </a:br>
-            <a:r>
-              <a:rPr lang="ja-JP" altLang="en-US" dirty="0"/>
-              <a:t>　</a:t>
-            </a:r>
-            <a:r>
-              <a:rPr lang="en-US" altLang="ja-JP" dirty="0">
-                <a:hlinkClick r:id="rId4"/>
-              </a:rPr>
-              <a:t>https://craftpix.net/freebies/</a:t>
+            <a:br>
+              <a:rPr lang="en-US" altLang="ja-JP" dirty="0"/>
+            </a:br>
+            <a:r>
+              <a:rPr lang="ja-JP" altLang="en-US" dirty="0"/>
+              <a:t>　こちらでは完成予想図を見ながらロゴ画像を作ることが</a:t>
+            </a:r>
+            <a:br>
+              <a:rPr lang="en-US" altLang="ja-JP" dirty="0"/>
+            </a:br>
+            <a:r>
+              <a:rPr lang="ja-JP" altLang="en-US" dirty="0"/>
+              <a:t>　できます！タイトルロゴに使える画像が作れます</a:t>
             </a:r>
             <a:endParaRPr lang="en-US" altLang="ja-JP" dirty="0"/>
           </a:p>
@@ -5061,7 +5268,7 @@
     </p:spTree>
     <p:extLst>
       <p:ext uri="{BB962C8B-B14F-4D97-AF65-F5344CB8AC3E}">
-        <p14:creationId xmlns:p14="http://schemas.microsoft.com/office/powerpoint/2010/main" val="2714004098"/>
+        <p14:creationId xmlns:p14="http://schemas.microsoft.com/office/powerpoint/2010/main" val="76488644"/>
       </p:ext>
     </p:extLst>
   </p:cSld>
